--- a/Project/QUEST/LOTTO_august/Lotto-PPT.pptx
+++ b/Project/QUEST/LOTTO_august/Lotto-PPT.pptx
@@ -14,7 +14,7 @@
     <p:sldId id="262" r:id="rId8"/>
     <p:sldId id="263" r:id="rId9"/>
   </p:sldIdLst>
-  <p:sldSz cx="10906125" cy="7772400" type="screen4x3"/>
+  <p:sldSz cx="10906125" cy="7772400"/>
   <p:notesSz cx="7772400" cy="10906125"/>
   <p:defaultTextStyle>
     <a:defPPr>
@@ -113,7 +113,18 @@
   </p:defaultTextStyle>
   <p:extLst>
     <p:ext uri="{EFAFB233-063F-42B5-8137-9DF3F51BA10A}">
-      <p15:sldGuideLst xmlns:p15="http://schemas.microsoft.com/office/powerpoint/2012/main"/>
+      <p15:sldGuideLst xmlns:p15="http://schemas.microsoft.com/office/powerpoint/2012/main">
+        <p15:guide id="1" orient="horz" pos="2160">
+          <p15:clr>
+            <a:srgbClr val="A4A3A4"/>
+          </p15:clr>
+        </p15:guide>
+        <p15:guide id="2" pos="2880">
+          <p15:clr>
+            <a:srgbClr val="A4A3A4"/>
+          </p15:clr>
+        </p15:guide>
+      </p15:sldGuideLst>
     </p:ext>
   </p:extLst>
 </p:presentation>
@@ -157,10 +168,9 @@
           <a:lstStyle/>
           <a:p>
             <a:r>
-              <a:rPr lang="en-US" smtClean="0"/>
+              <a:rPr lang="en-US"/>
               <a:t>Click to edit Master title style</a:t>
             </a:r>
-            <a:endParaRPr lang="en-US"/>
           </a:p>
         </p:txBody>
       </p:sp>
@@ -276,10 +286,9 @@
           </a:lstStyle>
           <a:p>
             <a:r>
-              <a:rPr lang="en-US" smtClean="0"/>
+              <a:rPr lang="en-US"/>
               <a:t>Click to edit Master subtitle style</a:t>
             </a:r>
-            <a:endParaRPr lang="en-US"/>
           </a:p>
         </p:txBody>
       </p:sp>
@@ -300,7 +309,7 @@
           <a:p>
             <a:fld id="{F8166F1F-CE9B-4651-A6AA-CD717754106B}" type="datetimeFigureOut">
               <a:rPr lang="en-US" smtClean="0"/>
-              <a:t>8/10/2022</a:t>
+              <a:t>12/13/2022</a:t>
             </a:fld>
             <a:endParaRPr lang="en-US"/>
           </a:p>
@@ -389,10 +398,9 @@
           <a:lstStyle/>
           <a:p>
             <a:r>
-              <a:rPr lang="en-US" smtClean="0"/>
+              <a:rPr lang="en-US"/>
               <a:t>Click to edit Master title style</a:t>
             </a:r>
-            <a:endParaRPr lang="en-US"/>
           </a:p>
         </p:txBody>
       </p:sp>
@@ -413,38 +421,37 @@
           <a:p>
             <a:pPr lvl="0"/>
             <a:r>
-              <a:rPr lang="en-US" smtClean="0"/>
+              <a:rPr lang="en-US"/>
               <a:t>Click to edit Master text styles</a:t>
             </a:r>
           </a:p>
           <a:p>
             <a:pPr lvl="1"/>
             <a:r>
-              <a:rPr lang="en-US" smtClean="0"/>
+              <a:rPr lang="en-US"/>
               <a:t>Second level</a:t>
             </a:r>
           </a:p>
           <a:p>
             <a:pPr lvl="2"/>
             <a:r>
-              <a:rPr lang="en-US" smtClean="0"/>
+              <a:rPr lang="en-US"/>
               <a:t>Third level</a:t>
             </a:r>
           </a:p>
           <a:p>
             <a:pPr lvl="3"/>
             <a:r>
-              <a:rPr lang="en-US" smtClean="0"/>
+              <a:rPr lang="en-US"/>
               <a:t>Fourth level</a:t>
             </a:r>
           </a:p>
           <a:p>
             <a:pPr lvl="4"/>
             <a:r>
-              <a:rPr lang="en-US" smtClean="0"/>
+              <a:rPr lang="en-US"/>
               <a:t>Fifth level</a:t>
             </a:r>
-            <a:endParaRPr lang="en-US"/>
           </a:p>
         </p:txBody>
       </p:sp>
@@ -465,7 +472,7 @@
           <a:p>
             <a:fld id="{A76116CE-C4A3-4A05-B2D7-7C2E9A889C0F}" type="datetimeFigureOut">
               <a:rPr lang="en-US" smtClean="0"/>
-              <a:t>1/30/2017</a:t>
+              <a:t>12/13/2022</a:t>
             </a:fld>
             <a:endParaRPr lang="en-US"/>
           </a:p>
@@ -559,10 +566,9 @@
           <a:lstStyle/>
           <a:p>
             <a:r>
-              <a:rPr lang="en-US" smtClean="0"/>
+              <a:rPr lang="en-US"/>
               <a:t>Click to edit Master title style</a:t>
             </a:r>
-            <a:endParaRPr lang="en-US"/>
           </a:p>
         </p:txBody>
       </p:sp>
@@ -588,38 +594,37 @@
           <a:p>
             <a:pPr lvl="0"/>
             <a:r>
-              <a:rPr lang="en-US" smtClean="0"/>
+              <a:rPr lang="en-US"/>
               <a:t>Click to edit Master text styles</a:t>
             </a:r>
           </a:p>
           <a:p>
             <a:pPr lvl="1"/>
             <a:r>
-              <a:rPr lang="en-US" smtClean="0"/>
+              <a:rPr lang="en-US"/>
               <a:t>Second level</a:t>
             </a:r>
           </a:p>
           <a:p>
             <a:pPr lvl="2"/>
             <a:r>
-              <a:rPr lang="en-US" smtClean="0"/>
+              <a:rPr lang="en-US"/>
               <a:t>Third level</a:t>
             </a:r>
           </a:p>
           <a:p>
             <a:pPr lvl="3"/>
             <a:r>
-              <a:rPr lang="en-US" smtClean="0"/>
+              <a:rPr lang="en-US"/>
               <a:t>Fourth level</a:t>
             </a:r>
           </a:p>
           <a:p>
             <a:pPr lvl="4"/>
             <a:r>
-              <a:rPr lang="en-US" smtClean="0"/>
+              <a:rPr lang="en-US"/>
               <a:t>Fifth level</a:t>
             </a:r>
-            <a:endParaRPr lang="en-US"/>
           </a:p>
         </p:txBody>
       </p:sp>
@@ -640,7 +645,7 @@
           <a:p>
             <a:fld id="{A76116CE-C4A3-4A05-B2D7-7C2E9A889C0F}" type="datetimeFigureOut">
               <a:rPr lang="en-US" smtClean="0"/>
-              <a:t>1/30/2017</a:t>
+              <a:t>12/13/2022</a:t>
             </a:fld>
             <a:endParaRPr lang="en-US"/>
           </a:p>
@@ -729,10 +734,9 @@
           <a:lstStyle/>
           <a:p>
             <a:r>
-              <a:rPr lang="en-US" smtClean="0"/>
+              <a:rPr lang="en-US"/>
               <a:t>Click to edit Master title style</a:t>
             </a:r>
-            <a:endParaRPr lang="en-US"/>
           </a:p>
         </p:txBody>
       </p:sp>
@@ -755,38 +759,37 @@
               <a:buChar char="•"/>
             </a:pPr>
             <a:r>
-              <a:rPr lang="en-US" smtClean="0"/>
+              <a:rPr lang="en-US"/>
               <a:t>Click to edit Master text styles</a:t>
             </a:r>
           </a:p>
           <a:p>
             <a:pPr lvl="1"/>
             <a:r>
-              <a:rPr lang="en-US" smtClean="0"/>
+              <a:rPr lang="en-US"/>
               <a:t>Second level</a:t>
             </a:r>
           </a:p>
           <a:p>
             <a:pPr lvl="2"/>
             <a:r>
-              <a:rPr lang="en-US" smtClean="0"/>
+              <a:rPr lang="en-US"/>
               <a:t>Third level</a:t>
             </a:r>
           </a:p>
           <a:p>
             <a:pPr lvl="3"/>
             <a:r>
-              <a:rPr lang="en-US" smtClean="0"/>
+              <a:rPr lang="en-US"/>
               <a:t>Fourth level</a:t>
             </a:r>
           </a:p>
           <a:p>
             <a:pPr lvl="4"/>
             <a:r>
-              <a:rPr lang="en-US" smtClean="0"/>
+              <a:rPr lang="en-US"/>
               <a:t>Fifth level</a:t>
             </a:r>
-            <a:endParaRPr lang="en-US"/>
           </a:p>
         </p:txBody>
       </p:sp>
@@ -807,7 +810,7 @@
           <a:p>
             <a:fld id="{A76116CE-C4A3-4A05-B2D7-7C2E9A889C0F}" type="datetimeFigureOut">
               <a:rPr lang="en-US" smtClean="0"/>
-              <a:t>8/10/2022</a:t>
+              <a:t>12/13/2022</a:t>
             </a:fld>
             <a:endParaRPr lang="en-US"/>
           </a:p>
@@ -905,10 +908,9 @@
           </a:lstStyle>
           <a:p>
             <a:r>
-              <a:rPr lang="en-US" smtClean="0"/>
+              <a:rPr lang="en-US"/>
               <a:t>Click to edit Master title style</a:t>
             </a:r>
-            <a:endParaRPr lang="en-US"/>
           </a:p>
         </p:txBody>
       </p:sp>
@@ -1025,7 +1027,7 @@
           <a:p>
             <a:pPr lvl="0"/>
             <a:r>
-              <a:rPr lang="en-US" smtClean="0"/>
+              <a:rPr lang="en-US"/>
               <a:t>Click to edit Master text styles</a:t>
             </a:r>
           </a:p>
@@ -1048,7 +1050,7 @@
           <a:p>
             <a:fld id="{A76116CE-C4A3-4A05-B2D7-7C2E9A889C0F}" type="datetimeFigureOut">
               <a:rPr lang="en-US" smtClean="0"/>
-              <a:t>8/10/2022</a:t>
+              <a:t>12/13/2022</a:t>
             </a:fld>
             <a:endParaRPr lang="en-US"/>
           </a:p>
@@ -1137,10 +1139,9 @@
           <a:lstStyle/>
           <a:p>
             <a:r>
-              <a:rPr lang="en-US" smtClean="0"/>
+              <a:rPr lang="en-US"/>
               <a:t>Click to edit Master title style</a:t>
             </a:r>
-            <a:endParaRPr lang="en-US"/>
           </a:p>
         </p:txBody>
       </p:sp>
@@ -1194,38 +1195,37 @@
           <a:p>
             <a:pPr lvl="0"/>
             <a:r>
-              <a:rPr lang="en-US" smtClean="0"/>
+              <a:rPr lang="en-US"/>
               <a:t>Click to edit Master text styles</a:t>
             </a:r>
           </a:p>
           <a:p>
             <a:pPr lvl="1"/>
             <a:r>
-              <a:rPr lang="en-US" smtClean="0"/>
+              <a:rPr lang="en-US"/>
               <a:t>Second level</a:t>
             </a:r>
           </a:p>
           <a:p>
             <a:pPr lvl="2"/>
             <a:r>
-              <a:rPr lang="en-US" smtClean="0"/>
+              <a:rPr lang="en-US"/>
               <a:t>Third level</a:t>
             </a:r>
           </a:p>
           <a:p>
             <a:pPr lvl="3"/>
             <a:r>
-              <a:rPr lang="en-US" smtClean="0"/>
+              <a:rPr lang="en-US"/>
               <a:t>Fourth level</a:t>
             </a:r>
           </a:p>
           <a:p>
             <a:pPr lvl="4"/>
             <a:r>
-              <a:rPr lang="en-US" smtClean="0"/>
+              <a:rPr lang="en-US"/>
               <a:t>Fifth level</a:t>
             </a:r>
-            <a:endParaRPr lang="en-US"/>
           </a:p>
         </p:txBody>
       </p:sp>
@@ -1279,38 +1279,37 @@
           <a:p>
             <a:pPr lvl="0"/>
             <a:r>
-              <a:rPr lang="en-US" smtClean="0"/>
+              <a:rPr lang="en-US"/>
               <a:t>Click to edit Master text styles</a:t>
             </a:r>
           </a:p>
           <a:p>
             <a:pPr lvl="1"/>
             <a:r>
-              <a:rPr lang="en-US" smtClean="0"/>
+              <a:rPr lang="en-US"/>
               <a:t>Second level</a:t>
             </a:r>
           </a:p>
           <a:p>
             <a:pPr lvl="2"/>
             <a:r>
-              <a:rPr lang="en-US" smtClean="0"/>
+              <a:rPr lang="en-US"/>
               <a:t>Third level</a:t>
             </a:r>
           </a:p>
           <a:p>
             <a:pPr lvl="3"/>
             <a:r>
-              <a:rPr lang="en-US" smtClean="0"/>
+              <a:rPr lang="en-US"/>
               <a:t>Fourth level</a:t>
             </a:r>
           </a:p>
           <a:p>
             <a:pPr lvl="4"/>
             <a:r>
-              <a:rPr lang="en-US" smtClean="0"/>
+              <a:rPr lang="en-US"/>
               <a:t>Fifth level</a:t>
             </a:r>
-            <a:endParaRPr lang="en-US"/>
           </a:p>
         </p:txBody>
       </p:sp>
@@ -1331,7 +1330,7 @@
           <a:p>
             <a:fld id="{A76116CE-C4A3-4A05-B2D7-7C2E9A889C0F}" type="datetimeFigureOut">
               <a:rPr lang="en-US" smtClean="0"/>
-              <a:t>1/30/2017</a:t>
+              <a:t>12/13/2022</a:t>
             </a:fld>
             <a:endParaRPr lang="en-US"/>
           </a:p>
@@ -1424,10 +1423,9 @@
           </a:lstStyle>
           <a:p>
             <a:r>
-              <a:rPr lang="en-US" smtClean="0"/>
+              <a:rPr lang="en-US"/>
               <a:t>Click to edit Master title style</a:t>
             </a:r>
-            <a:endParaRPr lang="en-US"/>
           </a:p>
         </p:txBody>
       </p:sp>
@@ -1490,7 +1488,7 @@
           <a:p>
             <a:pPr lvl="0"/>
             <a:r>
-              <a:rPr lang="en-US" smtClean="0"/>
+              <a:rPr lang="en-US"/>
               <a:t>Click to edit Master text styles</a:t>
             </a:r>
           </a:p>
@@ -1546,38 +1544,37 @@
           <a:p>
             <a:pPr lvl="0"/>
             <a:r>
-              <a:rPr lang="en-US" smtClean="0"/>
+              <a:rPr lang="en-US"/>
               <a:t>Click to edit Master text styles</a:t>
             </a:r>
           </a:p>
           <a:p>
             <a:pPr lvl="1"/>
             <a:r>
-              <a:rPr lang="en-US" smtClean="0"/>
+              <a:rPr lang="en-US"/>
               <a:t>Second level</a:t>
             </a:r>
           </a:p>
           <a:p>
             <a:pPr lvl="2"/>
             <a:r>
-              <a:rPr lang="en-US" smtClean="0"/>
+              <a:rPr lang="en-US"/>
               <a:t>Third level</a:t>
             </a:r>
           </a:p>
           <a:p>
             <a:pPr lvl="3"/>
             <a:r>
-              <a:rPr lang="en-US" smtClean="0"/>
+              <a:rPr lang="en-US"/>
               <a:t>Fourth level</a:t>
             </a:r>
           </a:p>
           <a:p>
             <a:pPr lvl="4"/>
             <a:r>
-              <a:rPr lang="en-US" smtClean="0"/>
+              <a:rPr lang="en-US"/>
               <a:t>Fifth level</a:t>
             </a:r>
-            <a:endParaRPr lang="en-US"/>
           </a:p>
         </p:txBody>
       </p:sp>
@@ -1640,7 +1637,7 @@
           <a:p>
             <a:pPr lvl="0"/>
             <a:r>
-              <a:rPr lang="en-US" smtClean="0"/>
+              <a:rPr lang="en-US"/>
               <a:t>Click to edit Master text styles</a:t>
             </a:r>
           </a:p>
@@ -1696,38 +1693,37 @@
           <a:p>
             <a:pPr lvl="0"/>
             <a:r>
-              <a:rPr lang="en-US" smtClean="0"/>
+              <a:rPr lang="en-US"/>
               <a:t>Click to edit Master text styles</a:t>
             </a:r>
           </a:p>
           <a:p>
             <a:pPr lvl="1"/>
             <a:r>
-              <a:rPr lang="en-US" smtClean="0"/>
+              <a:rPr lang="en-US"/>
               <a:t>Second level</a:t>
             </a:r>
           </a:p>
           <a:p>
             <a:pPr lvl="2"/>
             <a:r>
-              <a:rPr lang="en-US" smtClean="0"/>
+              <a:rPr lang="en-US"/>
               <a:t>Third level</a:t>
             </a:r>
           </a:p>
           <a:p>
             <a:pPr lvl="3"/>
             <a:r>
-              <a:rPr lang="en-US" smtClean="0"/>
+              <a:rPr lang="en-US"/>
               <a:t>Fourth level</a:t>
             </a:r>
           </a:p>
           <a:p>
             <a:pPr lvl="4"/>
             <a:r>
-              <a:rPr lang="en-US" smtClean="0"/>
+              <a:rPr lang="en-US"/>
               <a:t>Fifth level</a:t>
             </a:r>
-            <a:endParaRPr lang="en-US"/>
           </a:p>
         </p:txBody>
       </p:sp>
@@ -1748,7 +1744,7 @@
           <a:p>
             <a:fld id="{A76116CE-C4A3-4A05-B2D7-7C2E9A889C0F}" type="datetimeFigureOut">
               <a:rPr lang="en-US" smtClean="0"/>
-              <a:t>1/30/2017</a:t>
+              <a:t>12/13/2022</a:t>
             </a:fld>
             <a:endParaRPr lang="en-US"/>
           </a:p>
@@ -1837,10 +1833,9 @@
           <a:lstStyle/>
           <a:p>
             <a:r>
-              <a:rPr lang="en-US" smtClean="0"/>
+              <a:rPr lang="en-US"/>
               <a:t>Click to edit Master title style</a:t>
             </a:r>
-            <a:endParaRPr lang="en-US"/>
           </a:p>
         </p:txBody>
       </p:sp>
@@ -1861,7 +1856,7 @@
           <a:p>
             <a:fld id="{A76116CE-C4A3-4A05-B2D7-7C2E9A889C0F}" type="datetimeFigureOut">
               <a:rPr lang="en-US" smtClean="0"/>
-              <a:t>1/30/2017</a:t>
+              <a:t>12/13/2022</a:t>
             </a:fld>
             <a:endParaRPr lang="en-US"/>
           </a:p>
@@ -1951,7 +1946,7 @@
           <a:p>
             <a:fld id="{A76116CE-C4A3-4A05-B2D7-7C2E9A889C0F}" type="datetimeFigureOut">
               <a:rPr lang="en-US" smtClean="0"/>
-              <a:t>1/30/2017</a:t>
+              <a:t>12/13/2022</a:t>
             </a:fld>
             <a:endParaRPr lang="en-US"/>
           </a:p>
@@ -2049,10 +2044,9 @@
           </a:lstStyle>
           <a:p>
             <a:r>
-              <a:rPr lang="en-US" smtClean="0"/>
+              <a:rPr lang="en-US"/>
               <a:t>Click to edit Master title style</a:t>
             </a:r>
-            <a:endParaRPr lang="en-US"/>
           </a:p>
         </p:txBody>
       </p:sp>
@@ -2106,38 +2100,37 @@
           <a:p>
             <a:pPr lvl="0"/>
             <a:r>
-              <a:rPr lang="en-US" smtClean="0"/>
+              <a:rPr lang="en-US"/>
               <a:t>Click to edit Master text styles</a:t>
             </a:r>
           </a:p>
           <a:p>
             <a:pPr lvl="1"/>
             <a:r>
-              <a:rPr lang="en-US" smtClean="0"/>
+              <a:rPr lang="en-US"/>
               <a:t>Second level</a:t>
             </a:r>
           </a:p>
           <a:p>
             <a:pPr lvl="2"/>
             <a:r>
-              <a:rPr lang="en-US" smtClean="0"/>
+              <a:rPr lang="en-US"/>
               <a:t>Third level</a:t>
             </a:r>
           </a:p>
           <a:p>
             <a:pPr lvl="3"/>
             <a:r>
-              <a:rPr lang="en-US" smtClean="0"/>
+              <a:rPr lang="en-US"/>
               <a:t>Fourth level</a:t>
             </a:r>
           </a:p>
           <a:p>
             <a:pPr lvl="4"/>
             <a:r>
-              <a:rPr lang="en-US" smtClean="0"/>
+              <a:rPr lang="en-US"/>
               <a:t>Fifth level</a:t>
             </a:r>
-            <a:endParaRPr lang="en-US"/>
           </a:p>
         </p:txBody>
       </p:sp>
@@ -2200,7 +2193,7 @@
           <a:p>
             <a:pPr lvl="0"/>
             <a:r>
-              <a:rPr lang="en-US" smtClean="0"/>
+              <a:rPr lang="en-US"/>
               <a:t>Click to edit Master text styles</a:t>
             </a:r>
           </a:p>
@@ -2223,7 +2216,7 @@
           <a:p>
             <a:fld id="{A76116CE-C4A3-4A05-B2D7-7C2E9A889C0F}" type="datetimeFigureOut">
               <a:rPr lang="en-US" smtClean="0"/>
-              <a:t>1/30/2017</a:t>
+              <a:t>12/13/2022</a:t>
             </a:fld>
             <a:endParaRPr lang="en-US"/>
           </a:p>
@@ -2321,10 +2314,9 @@
           </a:lstStyle>
           <a:p>
             <a:r>
-              <a:rPr lang="en-US" smtClean="0"/>
+              <a:rPr lang="en-US"/>
               <a:t>Click to edit Master title style</a:t>
             </a:r>
-            <a:endParaRPr lang="en-US"/>
           </a:p>
         </p:txBody>
       </p:sp>
@@ -2448,7 +2440,7 @@
           <a:p>
             <a:pPr lvl="0"/>
             <a:r>
-              <a:rPr lang="en-US" smtClean="0"/>
+              <a:rPr lang="en-US"/>
               <a:t>Click to edit Master text styles</a:t>
             </a:r>
           </a:p>
@@ -2471,7 +2463,7 @@
           <a:p>
             <a:fld id="{A76116CE-C4A3-4A05-B2D7-7C2E9A889C0F}" type="datetimeFigureOut">
               <a:rPr lang="en-US" smtClean="0"/>
-              <a:t>1/30/2017</a:t>
+              <a:t>12/13/2022</a:t>
             </a:fld>
             <a:endParaRPr lang="en-US"/>
           </a:p>
@@ -2575,10 +2567,9 @@
           <a:lstStyle/>
           <a:p>
             <a:r>
-              <a:rPr lang="en-US" smtClean="0"/>
+              <a:rPr lang="en-US"/>
               <a:t>Click to edit Master title style</a:t>
             </a:r>
-            <a:endParaRPr lang="en-US"/>
           </a:p>
         </p:txBody>
       </p:sp>
@@ -2609,38 +2600,37 @@
           <a:p>
             <a:pPr lvl="0"/>
             <a:r>
-              <a:rPr lang="en-US" smtClean="0"/>
+              <a:rPr lang="en-US"/>
               <a:t>Click to edit Master text styles</a:t>
             </a:r>
           </a:p>
           <a:p>
             <a:pPr lvl="1"/>
             <a:r>
-              <a:rPr lang="en-US" smtClean="0"/>
+              <a:rPr lang="en-US"/>
               <a:t>Second level</a:t>
             </a:r>
           </a:p>
           <a:p>
             <a:pPr lvl="2"/>
             <a:r>
-              <a:rPr lang="en-US" smtClean="0"/>
+              <a:rPr lang="en-US"/>
               <a:t>Third level</a:t>
             </a:r>
           </a:p>
           <a:p>
             <a:pPr lvl="3"/>
             <a:r>
-              <a:rPr lang="en-US" smtClean="0"/>
+              <a:rPr lang="en-US"/>
               <a:t>Fourth level</a:t>
             </a:r>
           </a:p>
           <a:p>
             <a:pPr lvl="4"/>
             <a:r>
-              <a:rPr lang="en-US" smtClean="0"/>
+              <a:rPr lang="en-US"/>
               <a:t>Fifth level</a:t>
             </a:r>
-            <a:endParaRPr lang="en-US"/>
           </a:p>
         </p:txBody>
       </p:sp>
@@ -2679,7 +2669,7 @@
           <a:p>
             <a:fld id="{F8166F1F-CE9B-4651-A6AA-CD717754106B}" type="datetimeFigureOut">
               <a:rPr lang="en-US" smtClean="0"/>
-              <a:t>6/13/2013</a:t>
+              <a:t>12/13/2022</a:t>
             </a:fld>
             <a:endParaRPr lang="en-US"/>
           </a:p>
@@ -2757,7 +2747,7 @@
           <a:p>
             <a:fld id="{F7021451-1387-4CA6-816F-3879F97B5CBC}" type="slidenum">
               <a:rPr lang="en-US" smtClean="0"/>
-              <a:t>�#�</a:t>
+              <a:t>‹#›</a:t>
             </a:fld>
             <a:endParaRPr lang="en-US"/>
           </a:p>
@@ -2768,16 +2758,16 @@
   <p:clrMap bg1="lt1" tx1="dk1" bg2="lt2" tx2="dk2" accent1="accent1" accent2="accent2" accent3="accent3" accent4="accent4" accent5="accent5" accent6="accent6" hlink="hlink" folHlink="folHlink"/>
   <p:sldLayoutIdLst>
     <p:sldLayoutId id="2147483649" r:id="rId1"/>
-    <p:sldLayoutId id="2147483650" r:id="rId3"/>
-    <p:sldLayoutId id="2147483651" r:id="rId4"/>
-    <p:sldLayoutId id="2147483652" r:id="rId5"/>
-    <p:sldLayoutId id="2147483653" r:id="rId6"/>
-    <p:sldLayoutId id="2147483654" r:id="rId7"/>
-    <p:sldLayoutId id="2147483655" r:id="rId8"/>
-    <p:sldLayoutId id="2147483656" r:id="rId9"/>
-    <p:sldLayoutId id="2147483657" r:id="rId10"/>
-    <p:sldLayoutId id="2147483658" r:id="rId11"/>
-    <p:sldLayoutId id="2147483659" r:id="rId12"/>
+    <p:sldLayoutId id="2147483650" r:id="rId2"/>
+    <p:sldLayoutId id="2147483651" r:id="rId3"/>
+    <p:sldLayoutId id="2147483652" r:id="rId4"/>
+    <p:sldLayoutId id="2147483653" r:id="rId5"/>
+    <p:sldLayoutId id="2147483654" r:id="rId6"/>
+    <p:sldLayoutId id="2147483655" r:id="rId7"/>
+    <p:sldLayoutId id="2147483656" r:id="rId8"/>
+    <p:sldLayoutId id="2147483657" r:id="rId9"/>
+    <p:sldLayoutId id="2147483658" r:id="rId10"/>
+    <p:sldLayoutId id="2147483659" r:id="rId11"/>
   </p:sldLayoutIdLst>
   <p:txStyles>
     <p:titleStyle>
@@ -3157,7 +3147,7 @@
               <p:nvPr/>
             </p:nvPicPr>
             <p:blipFill>
-              <a:blip r:embed="rId4" cstate="print"/>
+              <a:blip r:embed="rId3" cstate="print"/>
               <a:stretch>
                 <a:fillRect/>
               </a:stretch>
@@ -3196,7 +3186,7 @@
               <p:nvPr/>
             </p:nvPicPr>
             <p:blipFill>
-              <a:blip r:embed="rId5" cstate="print"/>
+              <a:blip r:embed="rId3" cstate="print"/>
               <a:stretch>
                 <a:fillRect/>
               </a:stretch>
@@ -3236,7 +3226,7 @@
             <p:nvPr/>
           </p:nvPicPr>
           <p:blipFill>
-            <a:blip r:embed="rId6" cstate="print"/>
+            <a:blip r:embed="rId4" cstate="print"/>
             <a:stretch>
               <a:fillRect/>
             </a:stretch>
@@ -3275,7 +3265,7 @@
             <p:nvPr/>
           </p:nvPicPr>
           <p:blipFill>
-            <a:blip r:embed="rId7" cstate="print"/>
+            <a:blip r:embed="rId5" cstate="print"/>
             <a:stretch>
               <a:fillRect/>
             </a:stretch>
@@ -3300,7 +3290,7 @@
           <p:nvPr/>
         </p:nvPicPr>
         <p:blipFill>
-          <a:blip r:embed="rId8" cstate="print"/>
+          <a:blip r:embed="rId6" cstate="print"/>
           <a:stretch>
             <a:fillRect/>
           </a:stretch>
@@ -3338,7 +3328,7 @@
             <p:nvPr/>
           </p:nvPicPr>
           <p:blipFill>
-            <a:blip r:embed="rId9" cstate="print"/>
+            <a:blip r:embed="rId7" cstate="print"/>
             <a:stretch>
               <a:fillRect/>
             </a:stretch>
@@ -3598,7 +3588,7 @@
               <p:nvPr/>
             </p:nvPicPr>
             <p:blipFill>
-              <a:blip r:embed="rId8" cstate="print"/>
+              <a:blip r:embed="rId7" cstate="print"/>
               <a:stretch>
                 <a:fillRect/>
               </a:stretch>
@@ -3637,7 +3627,7 @@
               <p:nvPr/>
             </p:nvPicPr>
             <p:blipFill>
-              <a:blip r:embed="rId9" cstate="print"/>
+              <a:blip r:embed="rId7" cstate="print"/>
               <a:stretch>
                 <a:fillRect/>
               </a:stretch>
@@ -3763,7 +3753,7 @@
               <p:nvPr/>
             </p:nvPicPr>
             <p:blipFill>
-              <a:blip r:embed="rId3" cstate="print"/>
+              <a:blip r:embed="rId2" cstate="print"/>
               <a:stretch>
                 <a:fillRect/>
               </a:stretch>
@@ -3802,7 +3792,7 @@
               <p:nvPr/>
             </p:nvPicPr>
             <p:blipFill>
-              <a:blip r:embed="rId4" cstate="print"/>
+              <a:blip r:embed="rId2" cstate="print"/>
               <a:stretch>
                 <a:fillRect/>
               </a:stretch>
@@ -3842,7 +3832,7 @@
             <p:nvPr/>
           </p:nvPicPr>
           <p:blipFill>
-            <a:blip r:embed="rId5" cstate="print"/>
+            <a:blip r:embed="rId3" cstate="print"/>
             <a:stretch>
               <a:fillRect/>
             </a:stretch>
@@ -3867,7 +3857,7 @@
           <p:nvPr/>
         </p:nvPicPr>
         <p:blipFill>
-          <a:blip r:embed="rId6" cstate="print"/>
+          <a:blip r:embed="rId4" cstate="print"/>
           <a:stretch>
             <a:fillRect/>
           </a:stretch>
@@ -3891,7 +3881,7 @@
           <p:nvPr/>
         </p:nvPicPr>
         <p:blipFill>
-          <a:blip r:embed="rId7" cstate="print"/>
+          <a:blip r:embed="rId5" cstate="print"/>
           <a:stretch>
             <a:fillRect/>
           </a:stretch>
@@ -3929,7 +3919,7 @@
             <p:nvPr/>
           </p:nvPicPr>
           <p:blipFill>
-            <a:blip r:embed="rId8" cstate="print"/>
+            <a:blip r:embed="rId6" cstate="print"/>
             <a:stretch>
               <a:fillRect/>
             </a:stretch>
@@ -4141,7 +4131,7 @@
               <p:nvPr/>
             </p:nvPicPr>
             <p:blipFill>
-              <a:blip r:embed="rId6" cstate="print"/>
+              <a:blip r:embed="rId5" cstate="print"/>
               <a:stretch>
                 <a:fillRect/>
               </a:stretch>
@@ -4180,7 +4170,7 @@
               <p:nvPr/>
             </p:nvPicPr>
             <p:blipFill>
-              <a:blip r:embed="rId7" cstate="print"/>
+              <a:blip r:embed="rId5" cstate="print"/>
               <a:stretch>
                 <a:fillRect/>
               </a:stretch>
@@ -4206,7 +4196,7 @@
           <p:nvPr/>
         </p:nvPicPr>
         <p:blipFill>
-          <a:blip r:embed="rId8" cstate="print"/>
+          <a:blip r:embed="rId6" cstate="print"/>
           <a:stretch>
             <a:fillRect/>
           </a:stretch>
@@ -4244,7 +4234,7 @@
             <p:nvPr/>
           </p:nvPicPr>
           <p:blipFill>
-            <a:blip r:embed="rId9" cstate="print"/>
+            <a:blip r:embed="rId7" cstate="print"/>
             <a:stretch>
               <a:fillRect/>
             </a:stretch>
@@ -4283,7 +4273,7 @@
             <p:nvPr/>
           </p:nvPicPr>
           <p:blipFill>
-            <a:blip r:embed="rId10" cstate="print"/>
+            <a:blip r:embed="rId8" cstate="print"/>
             <a:stretch>
               <a:fillRect/>
             </a:stretch>
@@ -4408,7 +4398,7 @@
               <p:nvPr/>
             </p:nvPicPr>
             <p:blipFill>
-              <a:blip r:embed="rId3" cstate="print"/>
+              <a:blip r:embed="rId2" cstate="print"/>
               <a:stretch>
                 <a:fillRect/>
               </a:stretch>
@@ -4447,7 +4437,7 @@
               <p:nvPr/>
             </p:nvPicPr>
             <p:blipFill>
-              <a:blip r:embed="rId4" cstate="print"/>
+              <a:blip r:embed="rId2" cstate="print"/>
               <a:stretch>
                 <a:fillRect/>
               </a:stretch>
@@ -4473,7 +4463,7 @@
           <p:nvPr/>
         </p:nvPicPr>
         <p:blipFill>
-          <a:blip r:embed="rId5" cstate="print"/>
+          <a:blip r:embed="rId3" cstate="print"/>
           <a:stretch>
             <a:fillRect/>
           </a:stretch>
@@ -4497,7 +4487,7 @@
           <p:nvPr/>
         </p:nvPicPr>
         <p:blipFill>
-          <a:blip r:embed="rId6" cstate="print"/>
+          <a:blip r:embed="rId4" cstate="print"/>
           <a:stretch>
             <a:fillRect/>
           </a:stretch>
@@ -4535,7 +4525,7 @@
             <p:nvPr/>
           </p:nvPicPr>
           <p:blipFill>
-            <a:blip r:embed="rId7" cstate="print"/>
+            <a:blip r:embed="rId5" cstate="print"/>
             <a:stretch>
               <a:fillRect/>
             </a:stretch>
@@ -4574,7 +4564,7 @@
             <p:nvPr/>
           </p:nvPicPr>
           <p:blipFill>
-            <a:blip r:embed="rId8" cstate="print"/>
+            <a:blip r:embed="rId6" cstate="print"/>
             <a:stretch>
               <a:fillRect/>
             </a:stretch>
@@ -4599,7 +4589,7 @@
           <p:nvPr/>
         </p:nvPicPr>
         <p:blipFill>
-          <a:blip r:embed="rId9" cstate="print"/>
+          <a:blip r:embed="rId7" cstate="print"/>
           <a:stretch>
             <a:fillRect/>
           </a:stretch>
@@ -4637,7 +4627,7 @@
             <p:nvPr/>
           </p:nvPicPr>
           <p:blipFill>
-            <a:blip r:embed="rId10" cstate="print"/>
+            <a:blip r:embed="rId8" cstate="print"/>
             <a:stretch>
               <a:fillRect/>
             </a:stretch>
@@ -4762,7 +4752,7 @@
               <p:nvPr/>
             </p:nvPicPr>
             <p:blipFill>
-              <a:blip r:embed="rId3" cstate="print"/>
+              <a:blip r:embed="rId2" cstate="print"/>
               <a:stretch>
                 <a:fillRect/>
               </a:stretch>
@@ -4801,7 +4791,7 @@
               <p:nvPr/>
             </p:nvPicPr>
             <p:blipFill>
-              <a:blip r:embed="rId4" cstate="print"/>
+              <a:blip r:embed="rId2" cstate="print"/>
               <a:stretch>
                 <a:fillRect/>
               </a:stretch>
@@ -4841,7 +4831,7 @@
             <p:nvPr/>
           </p:nvPicPr>
           <p:blipFill>
-            <a:blip r:embed="rId5" cstate="print"/>
+            <a:blip r:embed="rId3" cstate="print"/>
             <a:stretch>
               <a:fillRect/>
             </a:stretch>
@@ -4866,7 +4856,7 @@
           <p:nvPr/>
         </p:nvPicPr>
         <p:blipFill>
-          <a:blip r:embed="rId6" cstate="print"/>
+          <a:blip r:embed="rId4" cstate="print"/>
           <a:stretch>
             <a:fillRect/>
           </a:stretch>
@@ -4890,7 +4880,7 @@
           <p:nvPr/>
         </p:nvPicPr>
         <p:blipFill>
-          <a:blip r:embed="rId7" cstate="print"/>
+          <a:blip r:embed="rId5" cstate="print"/>
           <a:stretch>
             <a:fillRect/>
           </a:stretch>
@@ -4928,7 +4918,7 @@
             <p:nvPr/>
           </p:nvPicPr>
           <p:blipFill>
-            <a:blip r:embed="rId8" cstate="print"/>
+            <a:blip r:embed="rId6" cstate="print"/>
             <a:stretch>
               <a:fillRect/>
             </a:stretch>
@@ -4953,7 +4943,7 @@
           <p:nvPr/>
         </p:nvPicPr>
         <p:blipFill>
-          <a:blip r:embed="rId9" cstate="print"/>
+          <a:blip r:embed="rId7" cstate="print"/>
           <a:stretch>
             <a:fillRect/>
           </a:stretch>
@@ -4991,7 +4981,7 @@
             <p:nvPr/>
           </p:nvPicPr>
           <p:blipFill>
-            <a:blip r:embed="rId10" cstate="print"/>
+            <a:blip r:embed="rId8" cstate="print"/>
             <a:stretch>
               <a:fillRect/>
             </a:stretch>
@@ -5030,7 +5020,7 @@
             <p:nvPr/>
           </p:nvPicPr>
           <p:blipFill>
-            <a:blip r:embed="rId11" cstate="print"/>
+            <a:blip r:embed="rId9" cstate="print"/>
             <a:stretch>
               <a:fillRect/>
             </a:stretch>
@@ -5155,7 +5145,7 @@
               <p:nvPr/>
             </p:nvPicPr>
             <p:blipFill>
-              <a:blip r:embed="rId3" cstate="print"/>
+              <a:blip r:embed="rId2" cstate="print"/>
               <a:stretch>
                 <a:fillRect/>
               </a:stretch>
@@ -5194,7 +5184,7 @@
               <p:nvPr/>
             </p:nvPicPr>
             <p:blipFill>
-              <a:blip r:embed="rId4" cstate="print"/>
+              <a:blip r:embed="rId2" cstate="print"/>
               <a:stretch>
                 <a:fillRect/>
               </a:stretch>
@@ -5220,7 +5210,7 @@
           <p:nvPr/>
         </p:nvPicPr>
         <p:blipFill>
-          <a:blip r:embed="rId5" cstate="print"/>
+          <a:blip r:embed="rId3" cstate="print"/>
           <a:stretch>
             <a:fillRect/>
           </a:stretch>
@@ -5258,7 +5248,7 @@
             <p:nvPr/>
           </p:nvPicPr>
           <p:blipFill>
-            <a:blip r:embed="rId6" cstate="print"/>
+            <a:blip r:embed="rId4" cstate="print"/>
             <a:stretch>
               <a:fillRect/>
             </a:stretch>
@@ -5297,7 +5287,7 @@
             <p:nvPr/>
           </p:nvPicPr>
           <p:blipFill>
-            <a:blip r:embed="rId7" cstate="print"/>
+            <a:blip r:embed="rId5" cstate="print"/>
             <a:stretch>
               <a:fillRect/>
             </a:stretch>
@@ -5350,7 +5340,7 @@
               <p:nvPr/>
             </p:nvPicPr>
             <p:blipFill>
-              <a:blip r:embed="rId8" cstate="print"/>
+              <a:blip r:embed="rId6" cstate="print"/>
               <a:stretch>
                 <a:fillRect/>
               </a:stretch>
@@ -5389,7 +5379,7 @@
               <p:nvPr/>
             </p:nvPicPr>
             <p:blipFill>
-              <a:blip r:embed="rId9" cstate="print"/>
+              <a:blip r:embed="rId7" cstate="print"/>
               <a:stretch>
                 <a:fillRect/>
               </a:stretch>
@@ -5428,7 +5418,7 @@
               <p:nvPr/>
             </p:nvPicPr>
             <p:blipFill>
-              <a:blip r:embed="rId10" cstate="print"/>
+              <a:blip r:embed="rId8" cstate="print"/>
               <a:stretch>
                 <a:fillRect/>
               </a:stretch>
@@ -5578,7 +5568,7 @@
               <p:nvPr/>
             </p:nvPicPr>
             <p:blipFill>
-              <a:blip r:embed="rId4" cstate="print"/>
+              <a:blip r:embed="rId3" cstate="print"/>
               <a:stretch>
                 <a:fillRect/>
               </a:stretch>
@@ -5617,7 +5607,7 @@
               <p:nvPr/>
             </p:nvPicPr>
             <p:blipFill>
-              <a:blip r:embed="rId5" cstate="print"/>
+              <a:blip r:embed="rId3" cstate="print"/>
               <a:stretch>
                 <a:fillRect/>
               </a:stretch>
@@ -5643,7 +5633,7 @@
           <p:nvPr/>
         </p:nvPicPr>
         <p:blipFill>
-          <a:blip r:embed="rId6" cstate="print"/>
+          <a:blip r:embed="rId4" cstate="print"/>
           <a:stretch>
             <a:fillRect/>
           </a:stretch>
@@ -5681,7 +5671,7 @@
             <p:nvPr/>
           </p:nvPicPr>
           <p:blipFill>
-            <a:blip r:embed="rId7" cstate="print"/>
+            <a:blip r:embed="rId5" cstate="print"/>
             <a:stretch>
               <a:fillRect/>
             </a:stretch>
